--- a/DsDotNet/src/UnitTest/UnitTest.Engine/ImportOffice/ppt/T4_Api.pptx
+++ b/DsDotNet/src/UnitTest/UnitTest.Engine/ImportOffice/ppt/T4_Api.pptx
@@ -218,7 +218,7 @@
           <a:p>
             <a:fld id="{DD503887-5801-43A0-AEF9-041E8DDC2558}" type="datetimeFigureOut">
               <a:rPr lang="ko-KR" altLang="en-US" smtClean="0"/>
-              <a:t>2022-12-08</a:t>
+              <a:t>2023-01-23</a:t>
             </a:fld>
             <a:endParaRPr lang="ko-KR" altLang="en-US"/>
           </a:p>
@@ -395,7 +395,7 @@
           <a:p>
             <a:fld id="{95336A0E-57B1-4D4C-BD9B-2F72B5943464}" type="datetimeFigureOut">
               <a:rPr lang="ko-KR" altLang="en-US" smtClean="0"/>
-              <a:t>2022-12-08</a:t>
+              <a:t>2023-01-23</a:t>
             </a:fld>
             <a:endParaRPr lang="ko-KR" altLang="en-US"/>
           </a:p>
@@ -757,7 +757,7 @@
           <a:effectLst/>
           <a:extLst>
             <a:ext uri="{91240B29-F687-4f45-9708-019B960494DF}">
-              <a14:hiddenLine xmlns:a14="http://schemas.microsoft.com/office/drawing/2010/main" xmlns="" w="9525">
+              <a14:hiddenLine xmlns="" xmlns:a14="http://schemas.microsoft.com/office/drawing/2010/main" w="9525">
                 <a:solidFill>
                   <a:srgbClr val="000000"/>
                 </a:solidFill>
@@ -949,7 +949,7 @@
           <a:p>
             <a:fld id="{DEA6EBF0-8E22-42A7-9BEA-2AC7066E6498}" type="datetimeFigureOut">
               <a:rPr lang="ko-KR" altLang="en-US" smtClean="0"/>
-              <a:t>2022-12-08</a:t>
+              <a:t>2023-01-23</a:t>
             </a:fld>
             <a:endParaRPr lang="ko-KR" altLang="en-US"/>
           </a:p>
@@ -1267,7 +1267,7 @@
           <a:p>
             <a:fld id="{DEA6EBF0-8E22-42A7-9BEA-2AC7066E6498}" type="datetimeFigureOut">
               <a:rPr lang="ko-KR" altLang="en-US" smtClean="0"/>
-              <a:t>2022-12-08</a:t>
+              <a:t>2023-01-23</a:t>
             </a:fld>
             <a:endParaRPr lang="ko-KR" altLang="en-US"/>
           </a:p>
@@ -1755,7 +1755,7 @@
           <a:p>
             <a:fld id="{DEA6EBF0-8E22-42A7-9BEA-2AC7066E6498}" type="datetimeFigureOut">
               <a:rPr lang="ko-KR" altLang="en-US" smtClean="0"/>
-              <a:t>2022-12-08</a:t>
+              <a:t>2023-01-23</a:t>
             </a:fld>
             <a:endParaRPr lang="ko-KR" altLang="en-US"/>
           </a:p>
@@ -2124,7 +2124,7 @@
           <a:p>
             <a:fld id="{DEA6EBF0-8E22-42A7-9BEA-2AC7066E6498}" type="datetimeFigureOut">
               <a:rPr lang="ko-KR" altLang="en-US" smtClean="0"/>
-              <a:t>2022-12-08</a:t>
+              <a:t>2023-01-23</a:t>
             </a:fld>
             <a:endParaRPr lang="ko-KR" altLang="en-US"/>
           </a:p>
@@ -2279,7 +2279,7 @@
           <a:ln/>
           <a:extLst>
             <a:ext uri="{91240B29-F687-4f45-9708-019B960494DF}">
-              <a14:hiddenLine xmlns:a14="http://schemas.microsoft.com/office/drawing/2010/main" xmlns="" w="9525">
+              <a14:hiddenLine xmlns="" xmlns:a14="http://schemas.microsoft.com/office/drawing/2010/main" w="9525">
                 <a:solidFill>
                   <a:srgbClr val="000000"/>
                 </a:solidFill>
@@ -2397,7 +2397,7 @@
           <a:p>
             <a:fld id="{DEA6EBF0-8E22-42A7-9BEA-2AC7066E6498}" type="datetimeFigureOut">
               <a:rPr lang="ko-KR" altLang="en-US" smtClean="0"/>
-              <a:t>2022-12-08</a:t>
+              <a:t>2023-01-23</a:t>
             </a:fld>
             <a:endParaRPr lang="ko-KR" altLang="en-US"/>
           </a:p>
@@ -2554,7 +2554,7 @@
           <a:ln/>
           <a:extLst>
             <a:ext uri="{91240B29-F687-4f45-9708-019B960494DF}">
-              <a14:hiddenLine xmlns:a14="http://schemas.microsoft.com/office/drawing/2010/main" xmlns="" w="9525">
+              <a14:hiddenLine xmlns="" xmlns:a14="http://schemas.microsoft.com/office/drawing/2010/main" w="9525">
                 <a:solidFill>
                   <a:srgbClr val="000000"/>
                 </a:solidFill>
@@ -2682,7 +2682,7 @@
           <a:p>
             <a:fld id="{DEA6EBF0-8E22-42A7-9BEA-2AC7066E6498}" type="datetimeFigureOut">
               <a:rPr lang="ko-KR" altLang="en-US" smtClean="0"/>
-              <a:t>2022-12-08</a:t>
+              <a:t>2023-01-23</a:t>
             </a:fld>
             <a:endParaRPr lang="ko-KR" altLang="en-US"/>
           </a:p>
@@ -2800,7 +2800,7 @@
           <a:p>
             <a:fld id="{DEA6EBF0-8E22-42A7-9BEA-2AC7066E6498}" type="datetimeFigureOut">
               <a:rPr lang="ko-KR" altLang="en-US" smtClean="0"/>
-              <a:t>2022-12-08</a:t>
+              <a:t>2023-01-23</a:t>
             </a:fld>
             <a:endParaRPr lang="ko-KR" altLang="en-US"/>
           </a:p>
@@ -2955,7 +2955,7 @@
           <a:ln/>
           <a:extLst>
             <a:ext uri="{91240B29-F687-4f45-9708-019B960494DF}">
-              <a14:hiddenLine xmlns:a14="http://schemas.microsoft.com/office/drawing/2010/main" xmlns="" w="9525">
+              <a14:hiddenLine xmlns="" xmlns:a14="http://schemas.microsoft.com/office/drawing/2010/main" w="9525">
                 <a:solidFill>
                   <a:srgbClr val="000000"/>
                 </a:solidFill>
@@ -3083,7 +3083,7 @@
           <a:p>
             <a:fld id="{DEA6EBF0-8E22-42A7-9BEA-2AC7066E6498}" type="datetimeFigureOut">
               <a:rPr lang="ko-KR" altLang="en-US" smtClean="0"/>
-              <a:t>2022-12-08</a:t>
+              <a:t>2023-01-23</a:t>
             </a:fld>
             <a:endParaRPr lang="ko-KR" altLang="en-US"/>
           </a:p>
@@ -3426,7 +3426,7 @@
           <a:p>
             <a:fld id="{DEA6EBF0-8E22-42A7-9BEA-2AC7066E6498}" type="datetimeFigureOut">
               <a:rPr lang="ko-KR" altLang="en-US" smtClean="0"/>
-              <a:t>2022-12-08</a:t>
+              <a:t>2023-01-23</a:t>
             </a:fld>
             <a:endParaRPr lang="ko-KR" altLang="en-US"/>
           </a:p>
@@ -3581,7 +3581,7 @@
           <a:ln/>
           <a:extLst>
             <a:ext uri="{91240B29-F687-4f45-9708-019B960494DF}">
-              <a14:hiddenLine xmlns:a14="http://schemas.microsoft.com/office/drawing/2010/main" xmlns="" w="9525">
+              <a14:hiddenLine xmlns="" xmlns:a14="http://schemas.microsoft.com/office/drawing/2010/main" w="9525">
                 <a:solidFill>
                   <a:srgbClr val="000000"/>
                 </a:solidFill>
@@ -3765,7 +3765,7 @@
           <a:p>
             <a:fld id="{DEA6EBF0-8E22-42A7-9BEA-2AC7066E6498}" type="datetimeFigureOut">
               <a:rPr lang="ko-KR" altLang="en-US" smtClean="0"/>
-              <a:t>2022-12-08</a:t>
+              <a:t>2023-01-23</a:t>
             </a:fld>
             <a:endParaRPr lang="ko-KR" altLang="en-US"/>
           </a:p>
@@ -3920,7 +3920,7 @@
           <a:ln/>
           <a:extLst>
             <a:ext uri="{91240B29-F687-4f45-9708-019B960494DF}">
-              <a14:hiddenLine xmlns:a14="http://schemas.microsoft.com/office/drawing/2010/main" xmlns="" w="9525">
+              <a14:hiddenLine xmlns="" xmlns:a14="http://schemas.microsoft.com/office/drawing/2010/main" w="9525">
                 <a:solidFill>
                   <a:srgbClr val="000000"/>
                 </a:solidFill>
@@ -4242,7 +4242,7 @@
           <a:p>
             <a:fld id="{DEA6EBF0-8E22-42A7-9BEA-2AC7066E6498}" type="datetimeFigureOut">
               <a:rPr lang="ko-KR" altLang="en-US" smtClean="0"/>
-              <a:t>2022-12-08</a:t>
+              <a:t>2023-01-23</a:t>
             </a:fld>
             <a:endParaRPr lang="ko-KR" altLang="en-US"/>
           </a:p>
@@ -4337,7 +4337,7 @@
           <a:p>
             <a:fld id="{DEA6EBF0-8E22-42A7-9BEA-2AC7066E6498}" type="datetimeFigureOut">
               <a:rPr lang="ko-KR" altLang="en-US" smtClean="0"/>
-              <a:t>2022-12-08</a:t>
+              <a:t>2023-01-23</a:t>
             </a:fld>
             <a:endParaRPr lang="ko-KR" altLang="en-US"/>
           </a:p>
@@ -4605,7 +4605,7 @@
           <a:ln/>
           <a:extLst>
             <a:ext uri="{91240B29-F687-4f45-9708-019B960494DF}">
-              <a14:hiddenLine xmlns:a14="http://schemas.microsoft.com/office/drawing/2010/main" xmlns="" w="9525">
+              <a14:hiddenLine xmlns="" xmlns:a14="http://schemas.microsoft.com/office/drawing/2010/main" w="9525">
                 <a:solidFill>
                   <a:srgbClr val="000000"/>
                 </a:solidFill>
@@ -4804,7 +4804,7 @@
           <a:p>
             <a:fld id="{DEA6EBF0-8E22-42A7-9BEA-2AC7066E6498}" type="datetimeFigureOut">
               <a:rPr lang="ko-KR" altLang="en-US" smtClean="0"/>
-              <a:t>2022-12-08</a:t>
+              <a:t>2023-01-23</a:t>
             </a:fld>
             <a:endParaRPr lang="ko-KR" altLang="en-US"/>
           </a:p>
@@ -5117,7 +5117,7 @@
           <a:p>
             <a:fld id="{DEA6EBF0-8E22-42A7-9BEA-2AC7066E6498}" type="datetimeFigureOut">
               <a:rPr lang="ko-KR" altLang="en-US" smtClean="0"/>
-              <a:t>2022-12-08</a:t>
+              <a:t>2023-01-23</a:t>
             </a:fld>
             <a:endParaRPr lang="ko-KR" altLang="en-US"/>
           </a:p>
@@ -5387,7 +5387,7 @@
           <a:p>
             <a:fld id="{DEA6EBF0-8E22-42A7-9BEA-2AC7066E6498}" type="datetimeFigureOut">
               <a:rPr lang="ko-KR" altLang="en-US" smtClean="0"/>
-              <a:t>2022-12-08</a:t>
+              <a:t>2023-01-23</a:t>
             </a:fld>
             <a:endParaRPr lang="ko-KR" altLang="en-US"/>
           </a:p>
@@ -7339,70 +7339,6 @@
       </p:cxnSp>
       <p:sp>
         <p:nvSpPr>
-          <p:cNvPr id="8" name="화살표: 오각형 7">
-            <a:extLst>
-              <a:ext uri="{FF2B5EF4-FFF2-40B4-BE49-F238E27FC236}">
-                <a16:creationId xmlns:a16="http://schemas.microsoft.com/office/drawing/2014/main" id="{882A9CD2-3A56-FEF8-8EF9-DEA2D4947390}"/>
-              </a:ext>
-            </a:extLst>
-          </p:cNvPr>
-          <p:cNvSpPr/>
-          <p:nvPr/>
-        </p:nvSpPr>
-        <p:spPr>
-          <a:xfrm flipH="1">
-            <a:off x="-283309" y="3863466"/>
-            <a:ext cx="1990302" cy="690024"/>
-          </a:xfrm>
-          <a:prstGeom prst="homePlate">
-            <a:avLst/>
-          </a:prstGeom>
-          <a:solidFill>
-            <a:schemeClr val="accent2">
-              <a:alpha val="50000"/>
-            </a:schemeClr>
-          </a:solidFill>
-          <a:ln>
-            <a:noFill/>
-          </a:ln>
-        </p:spPr>
-        <p:style>
-          <a:lnRef idx="0">
-            <a:scrgbClr r="0" g="0" b="0"/>
-          </a:lnRef>
-          <a:fillRef idx="0">
-            <a:scrgbClr r="0" g="0" b="0"/>
-          </a:fillRef>
-          <a:effectRef idx="0">
-            <a:scrgbClr r="0" g="0" b="0"/>
-          </a:effectRef>
-          <a:fontRef idx="minor">
-            <a:schemeClr val="lt1"/>
-          </a:fontRef>
-        </p:style>
-        <p:txBody>
-          <a:bodyPr vert="horz" wrap="none" lIns="91440" tIns="45720" rIns="91440" bIns="45720" numCol="1" rtlCol="0" anchor="ctr" anchorCtr="0" compatLnSpc="1">
-            <a:prstTxWarp prst="textNoShape">
-              <a:avLst/>
-            </a:prstTxWarp>
-          </a:bodyPr>
-          <a:lstStyle/>
-          <a:p>
-            <a:pPr algn="ctr"/>
-            <a:r>
-              <a:rPr lang="en-US" altLang="ko-KR" sz="1800" dirty="0">
-                <a:ea typeface="현대하모니 M" panose="02020603020101020101"/>
-              </a:rPr>
-              <a:t>API9</a:t>
-            </a:r>
-            <a:endParaRPr lang="en-US" altLang="ko-KR" dirty="0">
-              <a:ea typeface="현대하모니 M" panose="02020603020101020101"/>
-            </a:endParaRPr>
-          </a:p>
-        </p:txBody>
-      </p:sp>
-      <p:sp>
-        <p:nvSpPr>
           <p:cNvPr id="12" name="TextBox 11">
             <a:extLst>
               <a:ext uri="{FF2B5EF4-FFF2-40B4-BE49-F238E27FC236}">
@@ -7459,116 +7395,6 @@
           </a:p>
         </p:txBody>
       </p:sp>
-      <p:sp>
-        <p:nvSpPr>
-          <p:cNvPr id="18" name="TextBox 17">
-            <a:extLst>
-              <a:ext uri="{FF2B5EF4-FFF2-40B4-BE49-F238E27FC236}">
-                <a16:creationId xmlns:a16="http://schemas.microsoft.com/office/drawing/2014/main" id="{7E15F0DD-669B-8C25-9B56-BBA5168E3EA5}"/>
-              </a:ext>
-            </a:extLst>
-          </p:cNvPr>
-          <p:cNvSpPr txBox="1"/>
-          <p:nvPr/>
-        </p:nvSpPr>
-        <p:spPr>
-          <a:xfrm>
-            <a:off x="1629840" y="4552233"/>
-            <a:ext cx="4444092" cy="646331"/>
-          </a:xfrm>
-          <a:prstGeom prst="rect">
-            <a:avLst/>
-          </a:prstGeom>
-          <a:noFill/>
-        </p:spPr>
-        <p:txBody>
-          <a:bodyPr wrap="square" rtlCol="0">
-            <a:spAutoFit/>
-          </a:bodyPr>
-          <a:lstStyle/>
-          <a:p>
-            <a:r>
-              <a:rPr lang="en-US" altLang="ko-KR" sz="1800" dirty="0"/>
-              <a:t>TXs ~ RXs </a:t>
-            </a:r>
-            <a:r>
-              <a:rPr lang="ko-KR" altLang="en-US" sz="1800" dirty="0"/>
-              <a:t>생략가능</a:t>
-            </a:r>
-            <a:endParaRPr lang="en-US" altLang="ko-KR" sz="1800" dirty="0"/>
-          </a:p>
-          <a:p>
-            <a:r>
-              <a:rPr lang="en-US" altLang="ko-KR" sz="1800" dirty="0"/>
-              <a:t>(Real </a:t>
-            </a:r>
-            <a:r>
-              <a:rPr lang="ko-KR" altLang="en-US" sz="1800" dirty="0"/>
-              <a:t>인과처리 없이 </a:t>
-            </a:r>
-            <a:r>
-              <a:rPr lang="en-US" altLang="ko-KR" sz="1800" dirty="0"/>
-              <a:t>Plan </a:t>
-            </a:r>
-            <a:r>
-              <a:rPr lang="ko-KR" altLang="en-US" dirty="0"/>
-              <a:t>무처리</a:t>
-            </a:r>
-            <a:r>
-              <a:rPr lang="en-US" altLang="ko-KR" dirty="0"/>
-              <a:t>)</a:t>
-            </a:r>
-            <a:endParaRPr lang="en-US" altLang="ko-KR" sz="1800" dirty="0"/>
-          </a:p>
-        </p:txBody>
-      </p:sp>
-      <p:cxnSp>
-        <p:nvCxnSpPr>
-          <p:cNvPr id="19" name="연결선: 꺾임 18">
-            <a:extLst>
-              <a:ext uri="{FF2B5EF4-FFF2-40B4-BE49-F238E27FC236}">
-                <a16:creationId xmlns:a16="http://schemas.microsoft.com/office/drawing/2014/main" id="{11766DCD-49D7-FC98-3F73-36B4116505FA}"/>
-              </a:ext>
-            </a:extLst>
-          </p:cNvPr>
-          <p:cNvCxnSpPr>
-            <a:cxnSpLocks/>
-            <a:stCxn id="51" idx="1"/>
-            <a:endCxn id="8" idx="1"/>
-          </p:cNvCxnSpPr>
-          <p:nvPr/>
-        </p:nvCxnSpPr>
-        <p:spPr>
-          <a:xfrm>
-            <a:off x="1706993" y="3429000"/>
-            <a:ext cx="12700" cy="779478"/>
-          </a:xfrm>
-          <a:prstGeom prst="bentConnector3">
-            <a:avLst>
-              <a:gd name="adj1" fmla="val 1800000"/>
-            </a:avLst>
-          </a:prstGeom>
-          <a:ln w="57150" cmpd="dbl">
-            <a:prstDash val="dashDot"/>
-            <a:headEnd type="none" w="med" len="med"/>
-            <a:tailEnd type="triangle" w="med" len="med"/>
-          </a:ln>
-        </p:spPr>
-        <p:style>
-          <a:lnRef idx="1">
-            <a:schemeClr val="accent1"/>
-          </a:lnRef>
-          <a:fillRef idx="0">
-            <a:schemeClr val="accent1"/>
-          </a:fillRef>
-          <a:effectRef idx="0">
-            <a:schemeClr val="accent1"/>
-          </a:effectRef>
-          <a:fontRef idx="minor">
-            <a:schemeClr val="tx1"/>
-          </a:fontRef>
-        </p:style>
-      </p:cxnSp>
     </p:spTree>
     <p:extLst>
       <p:ext uri="{BB962C8B-B14F-4D97-AF65-F5344CB8AC3E}">
